--- a/design.pptx
+++ b/design.pptx
@@ -8,6 +8,8 @@
     <p:sldId id="258" r:id="rId2"/>
     <p:sldId id="256" r:id="rId3"/>
     <p:sldId id="257" r:id="rId4"/>
+    <p:sldId id="259" r:id="rId5"/>
+    <p:sldId id="260" r:id="rId6"/>
   </p:sldIdLst>
   <p:sldSz cx="12192000" cy="6858000"/>
   <p:notesSz cx="6858000" cy="9144000"/>
@@ -6776,6 +6778,390 @@
     <p:extLst>
       <p:ext uri="{BB962C8B-B14F-4D97-AF65-F5344CB8AC3E}">
         <p14:creationId xmlns:p14="http://schemas.microsoft.com/office/powerpoint/2010/main" val="55854829"/>
+      </p:ext>
+    </p:extLst>
+  </p:cSld>
+  <p:clrMapOvr>
+    <a:masterClrMapping/>
+  </p:clrMapOvr>
+</p:sld>
+</file>
+
+<file path=ppt/slides/slide4.xml><?xml version="1.0" encoding="utf-8"?>
+<p:sld xmlns:a="http://schemas.openxmlformats.org/drawingml/2006/main" xmlns:r="http://schemas.openxmlformats.org/officeDocument/2006/relationships" xmlns:p="http://schemas.openxmlformats.org/presentationml/2006/main">
+  <p:cSld>
+    <p:spTree>
+      <p:nvGrpSpPr>
+        <p:cNvPr id="1" name=""/>
+        <p:cNvGrpSpPr/>
+        <p:nvPr/>
+      </p:nvGrpSpPr>
+      <p:grpSpPr>
+        <a:xfrm>
+          <a:off x="0" y="0"/>
+          <a:ext cx="0" cy="0"/>
+          <a:chOff x="0" y="0"/>
+          <a:chExt cx="0" cy="0"/>
+        </a:xfrm>
+      </p:grpSpPr>
+      <p:sp>
+        <p:nvSpPr>
+          <p:cNvPr id="13" name="직사각형 12">
+            <a:extLst>
+              <a:ext uri="{FF2B5EF4-FFF2-40B4-BE49-F238E27FC236}">
+                <a16:creationId xmlns:a16="http://schemas.microsoft.com/office/drawing/2014/main" id="{46082724-01C1-40AB-AEDB-0596C447D486}"/>
+              </a:ext>
+            </a:extLst>
+          </p:cNvPr>
+          <p:cNvSpPr/>
+          <p:nvPr/>
+        </p:nvSpPr>
+        <p:spPr>
+          <a:xfrm>
+            <a:off x="0" y="0"/>
+            <a:ext cx="12192000" cy="6858000"/>
+          </a:xfrm>
+          <a:prstGeom prst="rect">
+            <a:avLst/>
+          </a:prstGeom>
+          <a:solidFill>
+            <a:schemeClr val="tx1"/>
+          </a:solidFill>
+          <a:ln>
+            <a:noFill/>
+          </a:ln>
+        </p:spPr>
+        <p:style>
+          <a:lnRef idx="2">
+            <a:schemeClr val="accent1">
+              <a:shade val="50000"/>
+            </a:schemeClr>
+          </a:lnRef>
+          <a:fillRef idx="1">
+            <a:schemeClr val="accent1"/>
+          </a:fillRef>
+          <a:effectRef idx="0">
+            <a:schemeClr val="accent1"/>
+          </a:effectRef>
+          <a:fontRef idx="minor">
+            <a:schemeClr val="lt1"/>
+          </a:fontRef>
+        </p:style>
+        <p:txBody>
+          <a:bodyPr rtlCol="0" anchor="ctr"/>
+          <a:lstStyle/>
+          <a:p>
+            <a:pPr algn="ctr"/>
+            <a:endParaRPr lang="ko-KR" altLang="en-US" dirty="0"/>
+          </a:p>
+        </p:txBody>
+      </p:sp>
+      <p:grpSp>
+        <p:nvGrpSpPr>
+          <p:cNvPr id="14" name="그룹 13">
+            <a:extLst>
+              <a:ext uri="{FF2B5EF4-FFF2-40B4-BE49-F238E27FC236}">
+                <a16:creationId xmlns:a16="http://schemas.microsoft.com/office/drawing/2014/main" id="{A59CBC2B-59DF-451F-9CD2-22232DF92304}"/>
+              </a:ext>
+            </a:extLst>
+          </p:cNvPr>
+          <p:cNvGrpSpPr/>
+          <p:nvPr/>
+        </p:nvGrpSpPr>
+        <p:grpSpPr>
+          <a:xfrm>
+            <a:off x="2846759" y="2657789"/>
+            <a:ext cx="6498482" cy="1542422"/>
+            <a:chOff x="5321741" y="2657789"/>
+            <a:chExt cx="6498482" cy="1542422"/>
+          </a:xfrm>
+        </p:grpSpPr>
+        <p:sp>
+          <p:nvSpPr>
+            <p:cNvPr id="8" name="TextBox 7">
+              <a:extLst>
+                <a:ext uri="{FF2B5EF4-FFF2-40B4-BE49-F238E27FC236}">
+                  <a16:creationId xmlns:a16="http://schemas.microsoft.com/office/drawing/2014/main" id="{7E7EBEEA-9C4F-4B4D-936D-6FA9C9796C6C}"/>
+                </a:ext>
+              </a:extLst>
+            </p:cNvPr>
+            <p:cNvSpPr txBox="1"/>
+            <p:nvPr/>
+          </p:nvSpPr>
+          <p:spPr>
+            <a:xfrm>
+              <a:off x="7004481" y="2921169"/>
+              <a:ext cx="4815742" cy="1015663"/>
+            </a:xfrm>
+            <a:prstGeom prst="rect">
+              <a:avLst/>
+            </a:prstGeom>
+            <a:noFill/>
+          </p:spPr>
+          <p:txBody>
+            <a:bodyPr wrap="none" rtlCol="0">
+              <a:spAutoFit/>
+            </a:bodyPr>
+            <a:lstStyle/>
+            <a:p>
+              <a:r>
+                <a:rPr lang="ko-KR" altLang="en-US" sz="6000" dirty="0">
+                  <a:solidFill>
+                    <a:schemeClr val="bg1"/>
+                  </a:solidFill>
+                  <a:latin typeface="웰컴체 Bold" panose="02020603020101020101" pitchFamily="18" charset="-127"/>
+                  <a:ea typeface="웰컴체 Bold" panose="02020603020101020101" pitchFamily="18" charset="-127"/>
+                </a:rPr>
+                <a:t>해결이요</a:t>
+              </a:r>
+              <a:r>
+                <a:rPr lang="en-US" altLang="ko-KR" sz="6000" dirty="0">
+                  <a:solidFill>
+                    <a:schemeClr val="bg1"/>
+                  </a:solidFill>
+                  <a:latin typeface="웰컴체 Bold" panose="02020603020101020101" pitchFamily="18" charset="-127"/>
+                  <a:ea typeface="웰컴체 Bold" panose="02020603020101020101" pitchFamily="18" charset="-127"/>
+                </a:rPr>
+                <a:t>.com</a:t>
+              </a:r>
+              <a:endParaRPr lang="ko-KR" altLang="en-US" sz="6000" dirty="0">
+                <a:solidFill>
+                  <a:schemeClr val="bg1"/>
+                </a:solidFill>
+                <a:latin typeface="웰컴체 Bold" panose="02020603020101020101" pitchFamily="18" charset="-127"/>
+                <a:ea typeface="웰컴체 Bold" panose="02020603020101020101" pitchFamily="18" charset="-127"/>
+              </a:endParaRPr>
+            </a:p>
+          </p:txBody>
+        </p:sp>
+        <p:pic>
+          <p:nvPicPr>
+            <p:cNvPr id="10" name="그림 9">
+              <a:extLst>
+                <a:ext uri="{FF2B5EF4-FFF2-40B4-BE49-F238E27FC236}">
+                  <a16:creationId xmlns:a16="http://schemas.microsoft.com/office/drawing/2014/main" id="{28E0097C-D017-4CA1-B2C6-009A61084BAF}"/>
+                </a:ext>
+              </a:extLst>
+            </p:cNvPr>
+            <p:cNvPicPr>
+              <a:picLocks noChangeAspect="1"/>
+            </p:cNvPicPr>
+            <p:nvPr/>
+          </p:nvPicPr>
+          <p:blipFill>
+            <a:blip r:embed="rId2">
+              <a:extLst>
+                <a:ext uri="{28A0092B-C50C-407E-A947-70E740481C1C}">
+                  <a14:useLocalDpi xmlns:a14="http://schemas.microsoft.com/office/drawing/2010/main" val="0"/>
+                </a:ext>
+              </a:extLst>
+            </a:blip>
+            <a:stretch>
+              <a:fillRect/>
+            </a:stretch>
+          </p:blipFill>
+          <p:spPr>
+            <a:xfrm>
+              <a:off x="5321741" y="2657789"/>
+              <a:ext cx="1548518" cy="1542422"/>
+            </a:xfrm>
+            <a:prstGeom prst="rect">
+              <a:avLst/>
+            </a:prstGeom>
+          </p:spPr>
+        </p:pic>
+      </p:grpSp>
+    </p:spTree>
+    <p:extLst>
+      <p:ext uri="{BB962C8B-B14F-4D97-AF65-F5344CB8AC3E}">
+        <p14:creationId xmlns:p14="http://schemas.microsoft.com/office/powerpoint/2010/main" val="3752024491"/>
+      </p:ext>
+    </p:extLst>
+  </p:cSld>
+  <p:clrMapOvr>
+    <a:masterClrMapping/>
+  </p:clrMapOvr>
+</p:sld>
+</file>
+
+<file path=ppt/slides/slide5.xml><?xml version="1.0" encoding="utf-8"?>
+<p:sld xmlns:a="http://schemas.openxmlformats.org/drawingml/2006/main" xmlns:r="http://schemas.openxmlformats.org/officeDocument/2006/relationships" xmlns:p="http://schemas.openxmlformats.org/presentationml/2006/main">
+  <p:cSld>
+    <p:spTree>
+      <p:nvGrpSpPr>
+        <p:cNvPr id="1" name=""/>
+        <p:cNvGrpSpPr/>
+        <p:nvPr/>
+      </p:nvGrpSpPr>
+      <p:grpSpPr>
+        <a:xfrm>
+          <a:off x="0" y="0"/>
+          <a:ext cx="0" cy="0"/>
+          <a:chOff x="0" y="0"/>
+          <a:chExt cx="0" cy="0"/>
+        </a:xfrm>
+      </p:grpSpPr>
+      <p:sp>
+        <p:nvSpPr>
+          <p:cNvPr id="13" name="직사각형 12">
+            <a:extLst>
+              <a:ext uri="{FF2B5EF4-FFF2-40B4-BE49-F238E27FC236}">
+                <a16:creationId xmlns:a16="http://schemas.microsoft.com/office/drawing/2014/main" id="{46082724-01C1-40AB-AEDB-0596C447D486}"/>
+              </a:ext>
+            </a:extLst>
+          </p:cNvPr>
+          <p:cNvSpPr/>
+          <p:nvPr/>
+        </p:nvSpPr>
+        <p:spPr>
+          <a:xfrm>
+            <a:off x="0" y="0"/>
+            <a:ext cx="12192000" cy="6858000"/>
+          </a:xfrm>
+          <a:prstGeom prst="rect">
+            <a:avLst/>
+          </a:prstGeom>
+          <a:solidFill>
+            <a:schemeClr val="tx1"/>
+          </a:solidFill>
+          <a:ln>
+            <a:noFill/>
+          </a:ln>
+        </p:spPr>
+        <p:style>
+          <a:lnRef idx="2">
+            <a:schemeClr val="accent1">
+              <a:shade val="50000"/>
+            </a:schemeClr>
+          </a:lnRef>
+          <a:fillRef idx="1">
+            <a:schemeClr val="accent1"/>
+          </a:fillRef>
+          <a:effectRef idx="0">
+            <a:schemeClr val="accent1"/>
+          </a:effectRef>
+          <a:fontRef idx="minor">
+            <a:schemeClr val="lt1"/>
+          </a:fontRef>
+        </p:style>
+        <p:txBody>
+          <a:bodyPr rtlCol="0" anchor="ctr"/>
+          <a:lstStyle/>
+          <a:p>
+            <a:pPr algn="ctr"/>
+            <a:endParaRPr lang="ko-KR" altLang="en-US" dirty="0"/>
+          </a:p>
+        </p:txBody>
+      </p:sp>
+      <p:grpSp>
+        <p:nvGrpSpPr>
+          <p:cNvPr id="14" name="그룹 13">
+            <a:extLst>
+              <a:ext uri="{FF2B5EF4-FFF2-40B4-BE49-F238E27FC236}">
+                <a16:creationId xmlns:a16="http://schemas.microsoft.com/office/drawing/2014/main" id="{A59CBC2B-59DF-451F-9CD2-22232DF92304}"/>
+              </a:ext>
+            </a:extLst>
+          </p:cNvPr>
+          <p:cNvGrpSpPr/>
+          <p:nvPr/>
+        </p:nvGrpSpPr>
+        <p:grpSpPr>
+          <a:xfrm>
+            <a:off x="2893086" y="2657789"/>
+            <a:ext cx="6405828" cy="1542422"/>
+            <a:chOff x="5321741" y="2657789"/>
+            <a:chExt cx="6405828" cy="1542422"/>
+          </a:xfrm>
+        </p:grpSpPr>
+        <p:sp>
+          <p:nvSpPr>
+            <p:cNvPr id="8" name="TextBox 7">
+              <a:extLst>
+                <a:ext uri="{FF2B5EF4-FFF2-40B4-BE49-F238E27FC236}">
+                  <a16:creationId xmlns:a16="http://schemas.microsoft.com/office/drawing/2014/main" id="{7E7EBEEA-9C4F-4B4D-936D-6FA9C9796C6C}"/>
+                </a:ext>
+              </a:extLst>
+            </p:cNvPr>
+            <p:cNvSpPr txBox="1"/>
+            <p:nvPr/>
+          </p:nvSpPr>
+          <p:spPr>
+            <a:xfrm>
+              <a:off x="7004481" y="2921169"/>
+              <a:ext cx="4723088" cy="1015663"/>
+            </a:xfrm>
+            <a:prstGeom prst="rect">
+              <a:avLst/>
+            </a:prstGeom>
+            <a:noFill/>
+          </p:spPr>
+          <p:txBody>
+            <a:bodyPr wrap="none" rtlCol="0">
+              <a:spAutoFit/>
+            </a:bodyPr>
+            <a:lstStyle/>
+            <a:p>
+              <a:r>
+                <a:rPr lang="en-US" altLang="ko-KR" sz="6000" dirty="0">
+                  <a:solidFill>
+                    <a:schemeClr val="bg1"/>
+                  </a:solidFill>
+                  <a:latin typeface="웰컴체 Bold" panose="02020603020101020101" pitchFamily="18" charset="-127"/>
+                  <a:ea typeface="웰컴체 Bold" panose="02020603020101020101" pitchFamily="18" charset="-127"/>
+                </a:rPr>
+                <a:t>haegyeol.io</a:t>
+              </a:r>
+              <a:endParaRPr lang="ko-KR" altLang="en-US" sz="6000" dirty="0">
+                <a:solidFill>
+                  <a:schemeClr val="bg1"/>
+                </a:solidFill>
+                <a:latin typeface="웰컴체 Bold" panose="02020603020101020101" pitchFamily="18" charset="-127"/>
+                <a:ea typeface="웰컴체 Bold" panose="02020603020101020101" pitchFamily="18" charset="-127"/>
+              </a:endParaRPr>
+            </a:p>
+          </p:txBody>
+        </p:sp>
+        <p:pic>
+          <p:nvPicPr>
+            <p:cNvPr id="10" name="그림 9">
+              <a:extLst>
+                <a:ext uri="{FF2B5EF4-FFF2-40B4-BE49-F238E27FC236}">
+                  <a16:creationId xmlns:a16="http://schemas.microsoft.com/office/drawing/2014/main" id="{28E0097C-D017-4CA1-B2C6-009A61084BAF}"/>
+                </a:ext>
+              </a:extLst>
+            </p:cNvPr>
+            <p:cNvPicPr>
+              <a:picLocks noChangeAspect="1"/>
+            </p:cNvPicPr>
+            <p:nvPr/>
+          </p:nvPicPr>
+          <p:blipFill>
+            <a:blip r:embed="rId2">
+              <a:extLst>
+                <a:ext uri="{28A0092B-C50C-407E-A947-70E740481C1C}">
+                  <a14:useLocalDpi xmlns:a14="http://schemas.microsoft.com/office/drawing/2010/main" val="0"/>
+                </a:ext>
+              </a:extLst>
+            </a:blip>
+            <a:stretch>
+              <a:fillRect/>
+            </a:stretch>
+          </p:blipFill>
+          <p:spPr>
+            <a:xfrm>
+              <a:off x="5321741" y="2657789"/>
+              <a:ext cx="1548518" cy="1542422"/>
+            </a:xfrm>
+            <a:prstGeom prst="rect">
+              <a:avLst/>
+            </a:prstGeom>
+          </p:spPr>
+        </p:pic>
+      </p:grpSp>
+    </p:spTree>
+    <p:extLst>
+      <p:ext uri="{BB962C8B-B14F-4D97-AF65-F5344CB8AC3E}">
+        <p14:creationId xmlns:p14="http://schemas.microsoft.com/office/powerpoint/2010/main" val="3682145019"/>
       </p:ext>
     </p:extLst>
   </p:cSld>
